--- a/wks/silniki.pptx
+++ b/wks/silniki.pptx
@@ -357,7 +357,7 @@
             <a:fld id="{2FB4FF29-EE9A-4D47-9F1A-289A80693C0F}" type="datetimeFigureOut">
               <a:rPr lang="en-US" smtClean="0"/>
               <a:pPr/>
-              <a:t>6/18/2015</a:t>
+              <a:t>6/19/2015</a:t>
             </a:fld>
             <a:endParaRPr lang="en-US" dirty="0"/>
           </a:p>
@@ -9507,6 +9507,62 @@
             </a:r>
           </a:p>
           <a:p>
+            <a:endParaRPr lang="pl-PL" dirty="0" smtClean="0"/>
+          </a:p>
+          <a:p>
+            <a:r>
+              <a:rPr lang="pl-PL" dirty="0" err="1" smtClean="0"/>
+              <a:t>MeDCMotor</a:t>
+            </a:r>
+            <a:r>
+              <a:rPr lang="pl-PL" dirty="0" smtClean="0"/>
+              <a:t> </a:t>
+            </a:r>
+            <a:r>
+              <a:rPr lang="pl-PL" dirty="0" err="1" smtClean="0"/>
+              <a:t>motorLeft</a:t>
+            </a:r>
+            <a:r>
+              <a:rPr lang="pl-PL" dirty="0" smtClean="0"/>
+              <a:t>(M1</a:t>
+            </a:r>
+            <a:r>
+              <a:rPr lang="pl-PL" dirty="0" smtClean="0"/>
+              <a:t>);</a:t>
+            </a:r>
+          </a:p>
+          <a:p>
+            <a:r>
+              <a:rPr lang="pl-PL" dirty="0" err="1" smtClean="0"/>
+              <a:t>MeDCMotor</a:t>
+            </a:r>
+            <a:r>
+              <a:rPr lang="pl-PL" dirty="0" smtClean="0"/>
+              <a:t> </a:t>
+            </a:r>
+            <a:r>
+              <a:rPr lang="pl-PL" dirty="0" err="1" smtClean="0"/>
+              <a:t>motorRight</a:t>
+            </a:r>
+            <a:r>
+              <a:rPr lang="pl-PL" dirty="0" smtClean="0"/>
+              <a:t>(M2);</a:t>
+            </a:r>
+          </a:p>
+          <a:p>
+            <a:endParaRPr lang="pl-PL" dirty="0" smtClean="0"/>
+          </a:p>
+          <a:p>
+            <a:r>
+              <a:rPr lang="en-US" dirty="0" err="1" smtClean="0"/>
+              <a:t>int</a:t>
+            </a:r>
+            <a:r>
+              <a:rPr lang="en-US" dirty="0" smtClean="0"/>
+              <a:t> speed = 90;</a:t>
+            </a:r>
+          </a:p>
+          <a:p>
             <a:endParaRPr lang="en-US" dirty="0" smtClean="0"/>
           </a:p>
           <a:p>
@@ -9520,71 +9576,17 @@
             </a:r>
             <a:r>
               <a:rPr lang="en-US" dirty="0" smtClean="0"/>
-              <a:t> setup()</a:t>
+              <a:t> </a:t>
+            </a:r>
+            <a:r>
+              <a:rPr lang="en-US" dirty="0" smtClean="0"/>
+              <a:t>setup()</a:t>
             </a:r>
           </a:p>
           <a:p>
             <a:r>
               <a:rPr lang="en-US" dirty="0" smtClean="0"/>
               <a:t>{</a:t>
-            </a:r>
-          </a:p>
-          <a:p>
-            <a:r>
-              <a:rPr lang="en-US" dirty="0" err="1" smtClean="0"/>
-              <a:t>MeDCMotor</a:t>
-            </a:r>
-            <a:r>
-              <a:rPr lang="en-US" dirty="0" smtClean="0"/>
-              <a:t> </a:t>
-            </a:r>
-            <a:r>
-              <a:rPr lang="en-US" dirty="0" err="1" smtClean="0"/>
-              <a:t>motorLeft</a:t>
-            </a:r>
-            <a:r>
-              <a:rPr lang="en-US" dirty="0" smtClean="0"/>
-              <a:t>(M1);</a:t>
-            </a:r>
-          </a:p>
-          <a:p>
-            <a:r>
-              <a:rPr lang="en-US" dirty="0" err="1" smtClean="0"/>
-              <a:t>MeDCMotor</a:t>
-            </a:r>
-            <a:r>
-              <a:rPr lang="en-US" dirty="0" smtClean="0"/>
-              <a:t> </a:t>
-            </a:r>
-            <a:r>
-              <a:rPr lang="en-US" dirty="0" err="1" smtClean="0"/>
-              <a:t>motorRight</a:t>
-            </a:r>
-            <a:r>
-              <a:rPr lang="en-US" dirty="0" smtClean="0"/>
-              <a:t>(M2</a:t>
-            </a:r>
-            <a:r>
-              <a:rPr lang="en-US" dirty="0" smtClean="0"/>
-              <a:t>);</a:t>
-            </a:r>
-          </a:p>
-          <a:p>
-            <a:r>
-              <a:rPr lang="en-US" dirty="0" err="1" smtClean="0"/>
-              <a:t>int</a:t>
-            </a:r>
-            <a:r>
-              <a:rPr lang="en-US" dirty="0" smtClean="0"/>
-              <a:t> </a:t>
-            </a:r>
-            <a:r>
-              <a:rPr lang="en-US" dirty="0" smtClean="0"/>
-              <a:t>speed </a:t>
-            </a:r>
-            <a:r>
-              <a:rPr lang="en-US" dirty="0" smtClean="0"/>
-              <a:t>= 90;</a:t>
             </a:r>
           </a:p>
           <a:p>
@@ -9620,11 +9622,7 @@
           <a:p>
             <a:r>
               <a:rPr lang="en-US" dirty="0" smtClean="0"/>
-              <a:t> </a:t>
-            </a:r>
-            <a:r>
-              <a:rPr lang="en-US" dirty="0" smtClean="0"/>
-              <a:t> </a:t>
+              <a:t>  </a:t>
             </a:r>
             <a:r>
               <a:rPr lang="en-US" dirty="0" err="1" smtClean="0"/>
@@ -9654,7 +9652,6 @@
               <a:rPr lang="en-US" dirty="0" smtClean="0"/>
               <a:t>}</a:t>
             </a:r>
-            <a:endParaRPr lang="en-US" dirty="0" smtClean="0"/>
           </a:p>
           <a:p>
             <a:endParaRPr lang="en-US" dirty="0"/>
@@ -10883,14 +10880,7 @@
                 <a:latin typeface="Arial" pitchFamily="34" charset="0"/>
                 <a:cs typeface="Arial" pitchFamily="34" charset="0"/>
               </a:rPr>
-              <a:t> </a:t>
-            </a:r>
-            <a:r>
-              <a:rPr lang="de-DE" dirty="0" smtClean="0">
-                <a:latin typeface="Arial" pitchFamily="34" charset="0"/>
-                <a:cs typeface="Arial" pitchFamily="34" charset="0"/>
-              </a:rPr>
-              <a:t>- </a:t>
+              <a:t> - </a:t>
             </a:r>
             <a:r>
               <a:rPr lang="de-DE" dirty="0" err="1" smtClean="0">
